--- a/活動圖.pptx
+++ b/活動圖.pptx
@@ -6,12 +6,13 @@
   </p:sldMasterIdLst>
   <p:sldIdLst>
     <p:sldId id="257" r:id="rId2"/>
-    <p:sldId id="258" r:id="rId3"/>
-    <p:sldId id="259" r:id="rId4"/>
-    <p:sldId id="260" r:id="rId5"/>
-    <p:sldId id="261" r:id="rId6"/>
-    <p:sldId id="262" r:id="rId7"/>
-    <p:sldId id="263" r:id="rId8"/>
+    <p:sldId id="264" r:id="rId3"/>
+    <p:sldId id="258" r:id="rId4"/>
+    <p:sldId id="259" r:id="rId5"/>
+    <p:sldId id="260" r:id="rId6"/>
+    <p:sldId id="261" r:id="rId7"/>
+    <p:sldId id="262" r:id="rId8"/>
+    <p:sldId id="263" r:id="rId9"/>
   </p:sldIdLst>
   <p:sldSz cx="12192000" cy="6858000"/>
   <p:notesSz cx="6858000" cy="9144000"/>
@@ -112,7 +113,7 @@
   </p:defaultTextStyle>
   <p:extLst>
     <p:ext uri="{EFAFB233-063F-42B5-8137-9DF3F51BA10A}">
-      <p15:sldGuideLst xmlns:p15="http://schemas.microsoft.com/office/powerpoint/2012/main"/>
+      <p15:sldGuideLst xmlns:p15="http://schemas.microsoft.com/office/powerpoint/2012/main" xmlns=""/>
     </p:ext>
   </p:extLst>
 </p:presentation>
@@ -249,7 +250,7 @@
           <a:p>
             <a:fld id="{974EEC73-651C-4AB6-AB26-3342BCB710E8}" type="datetimeFigureOut">
               <a:rPr lang="zh-TW" altLang="en-US" smtClean="0"/>
-              <a:t>2021/1/9</a:t>
+              <a:t>2021/1/15</a:t>
             </a:fld>
             <a:endParaRPr lang="zh-TW" altLang="en-US"/>
           </a:p>
@@ -419,7 +420,7 @@
           <a:p>
             <a:fld id="{974EEC73-651C-4AB6-AB26-3342BCB710E8}" type="datetimeFigureOut">
               <a:rPr lang="zh-TW" altLang="en-US" smtClean="0"/>
-              <a:t>2021/1/9</a:t>
+              <a:t>2021/1/15</a:t>
             </a:fld>
             <a:endParaRPr lang="zh-TW" altLang="en-US"/>
           </a:p>
@@ -599,7 +600,7 @@
           <a:p>
             <a:fld id="{974EEC73-651C-4AB6-AB26-3342BCB710E8}" type="datetimeFigureOut">
               <a:rPr lang="zh-TW" altLang="en-US" smtClean="0"/>
-              <a:t>2021/1/9</a:t>
+              <a:t>2021/1/15</a:t>
             </a:fld>
             <a:endParaRPr lang="zh-TW" altLang="en-US"/>
           </a:p>
@@ -769,7 +770,7 @@
           <a:p>
             <a:fld id="{974EEC73-651C-4AB6-AB26-3342BCB710E8}" type="datetimeFigureOut">
               <a:rPr lang="zh-TW" altLang="en-US" smtClean="0"/>
-              <a:t>2021/1/9</a:t>
+              <a:t>2021/1/15</a:t>
             </a:fld>
             <a:endParaRPr lang="zh-TW" altLang="en-US"/>
           </a:p>
@@ -1015,7 +1016,7 @@
           <a:p>
             <a:fld id="{974EEC73-651C-4AB6-AB26-3342BCB710E8}" type="datetimeFigureOut">
               <a:rPr lang="zh-TW" altLang="en-US" smtClean="0"/>
-              <a:t>2021/1/9</a:t>
+              <a:t>2021/1/15</a:t>
             </a:fld>
             <a:endParaRPr lang="zh-TW" altLang="en-US"/>
           </a:p>
@@ -1247,7 +1248,7 @@
           <a:p>
             <a:fld id="{974EEC73-651C-4AB6-AB26-3342BCB710E8}" type="datetimeFigureOut">
               <a:rPr lang="zh-TW" altLang="en-US" smtClean="0"/>
-              <a:t>2021/1/9</a:t>
+              <a:t>2021/1/15</a:t>
             </a:fld>
             <a:endParaRPr lang="zh-TW" altLang="en-US"/>
           </a:p>
@@ -1614,7 +1615,7 @@
           <a:p>
             <a:fld id="{974EEC73-651C-4AB6-AB26-3342BCB710E8}" type="datetimeFigureOut">
               <a:rPr lang="zh-TW" altLang="en-US" smtClean="0"/>
-              <a:t>2021/1/9</a:t>
+              <a:t>2021/1/15</a:t>
             </a:fld>
             <a:endParaRPr lang="zh-TW" altLang="en-US"/>
           </a:p>
@@ -1732,7 +1733,7 @@
           <a:p>
             <a:fld id="{974EEC73-651C-4AB6-AB26-3342BCB710E8}" type="datetimeFigureOut">
               <a:rPr lang="zh-TW" altLang="en-US" smtClean="0"/>
-              <a:t>2021/1/9</a:t>
+              <a:t>2021/1/15</a:t>
             </a:fld>
             <a:endParaRPr lang="zh-TW" altLang="en-US"/>
           </a:p>
@@ -1827,7 +1828,7 @@
           <a:p>
             <a:fld id="{974EEC73-651C-4AB6-AB26-3342BCB710E8}" type="datetimeFigureOut">
               <a:rPr lang="zh-TW" altLang="en-US" smtClean="0"/>
-              <a:t>2021/1/9</a:t>
+              <a:t>2021/1/15</a:t>
             </a:fld>
             <a:endParaRPr lang="zh-TW" altLang="en-US"/>
           </a:p>
@@ -2104,7 +2105,7 @@
           <a:p>
             <a:fld id="{974EEC73-651C-4AB6-AB26-3342BCB710E8}" type="datetimeFigureOut">
               <a:rPr lang="zh-TW" altLang="en-US" smtClean="0"/>
-              <a:t>2021/1/9</a:t>
+              <a:t>2021/1/15</a:t>
             </a:fld>
             <a:endParaRPr lang="zh-TW" altLang="en-US"/>
           </a:p>
@@ -2357,7 +2358,7 @@
           <a:p>
             <a:fld id="{974EEC73-651C-4AB6-AB26-3342BCB710E8}" type="datetimeFigureOut">
               <a:rPr lang="zh-TW" altLang="en-US" smtClean="0"/>
-              <a:t>2021/1/9</a:t>
+              <a:t>2021/1/15</a:t>
             </a:fld>
             <a:endParaRPr lang="zh-TW" altLang="en-US"/>
           </a:p>
@@ -2570,7 +2571,7 @@
           <a:p>
             <a:fld id="{974EEC73-651C-4AB6-AB26-3342BCB710E8}" type="datetimeFigureOut">
               <a:rPr lang="zh-TW" altLang="en-US" smtClean="0"/>
-              <a:t>2021/1/9</a:t>
+              <a:t>2021/1/15</a:t>
             </a:fld>
             <a:endParaRPr lang="zh-TW" altLang="en-US"/>
           </a:p>
@@ -2983,10 +2984,10 @@
         </p:nvGrpSpPr>
         <p:grpSpPr>
           <a:xfrm>
-            <a:off x="3014165" y="781933"/>
-            <a:ext cx="6404591" cy="4860993"/>
-            <a:chOff x="2222859" y="228019"/>
-            <a:chExt cx="6404591" cy="4860993"/>
+            <a:off x="1749212" y="830738"/>
+            <a:ext cx="8167912" cy="4860993"/>
+            <a:chOff x="459538" y="228019"/>
+            <a:chExt cx="8167912" cy="4860993"/>
           </a:xfrm>
         </p:grpSpPr>
         <p:sp>
@@ -3047,10 +3048,10 @@
           </p:nvGrpSpPr>
           <p:grpSpPr>
             <a:xfrm>
-              <a:off x="4517042" y="254395"/>
-              <a:ext cx="2411138" cy="2488806"/>
-              <a:chOff x="4525833" y="752916"/>
-              <a:chExt cx="3202622" cy="3432277"/>
+              <a:off x="459538" y="254395"/>
+              <a:ext cx="6810382" cy="3231546"/>
+              <a:chOff x="-863593" y="752916"/>
+              <a:chExt cx="9045969" cy="4456580"/>
             </a:xfrm>
           </p:grpSpPr>
           <p:sp>
@@ -3161,7 +3162,7 @@
             </p:nvSpPr>
             <p:spPr>
               <a:xfrm>
-                <a:off x="4525833" y="2250830"/>
+                <a:off x="-863592" y="4418189"/>
                 <a:ext cx="1477108" cy="791307"/>
               </a:xfrm>
               <a:prstGeom prst="rect">
@@ -3209,7 +3210,7 @@
                     <a:latin typeface="標楷體" panose="03000509000000000000" pitchFamily="65" charset="-120"/>
                     <a:ea typeface="標楷體" panose="03000509000000000000" pitchFamily="65" charset="-120"/>
                   </a:rPr>
-                  <a:t>登入畫面</a:t>
+                  <a:t>登入</a:t>
                 </a:r>
                 <a:endParaRPr lang="zh-TW" altLang="en-US" sz="1400" b="1" dirty="0">
                   <a:solidFill>
@@ -3313,7 +3314,7 @@
             </p:nvSpPr>
             <p:spPr>
               <a:xfrm>
-                <a:off x="5336929" y="3231144"/>
+                <a:off x="5790850" y="2310854"/>
                 <a:ext cx="2391526" cy="424451"/>
               </a:xfrm>
               <a:prstGeom prst="rect">
@@ -3349,15 +3350,16 @@
             </p:nvSpPr>
             <p:spPr>
               <a:xfrm>
-                <a:off x="5108318" y="3859878"/>
-                <a:ext cx="298938" cy="325315"/>
+                <a:off x="-863593" y="2773998"/>
+                <a:ext cx="1653294" cy="1251881"/>
               </a:xfrm>
               <a:prstGeom prst="diamond">
                 <a:avLst/>
               </a:prstGeom>
               <a:solidFill>
                 <a:schemeClr val="accent6">
-                  <a:lumMod val="50000"/>
+                  <a:lumMod val="40000"/>
+                  <a:lumOff val="60000"/>
                 </a:schemeClr>
               </a:solidFill>
               <a:ln>
@@ -4265,7 +4267,7 @@
         </p:nvCxnSpPr>
         <p:spPr>
           <a:xfrm flipH="1">
-            <a:off x="7842738" y="3466064"/>
+            <a:off x="8341106" y="3514869"/>
             <a:ext cx="463955" cy="401604"/>
           </a:xfrm>
           <a:prstGeom prst="straightConnector1">
@@ -4302,7 +4304,646 @@
         </p:nvSpPr>
         <p:spPr>
           <a:xfrm>
-            <a:off x="7306409" y="3867667"/>
+            <a:off x="7804777" y="3916472"/>
+            <a:ext cx="763874" cy="1416509"/>
+          </a:xfrm>
+          <a:prstGeom prst="rect">
+            <a:avLst/>
+          </a:prstGeom>
+          <a:solidFill>
+            <a:schemeClr val="accent1">
+              <a:lumMod val="20000"/>
+              <a:lumOff val="80000"/>
+            </a:schemeClr>
+          </a:solidFill>
+          <a:ln>
+            <a:solidFill>
+              <a:schemeClr val="accent1">
+                <a:lumMod val="20000"/>
+                <a:lumOff val="80000"/>
+              </a:schemeClr>
+            </a:solidFill>
+          </a:ln>
+        </p:spPr>
+        <p:style>
+          <a:lnRef idx="2">
+            <a:schemeClr val="accent1">
+              <a:shade val="50000"/>
+            </a:schemeClr>
+          </a:lnRef>
+          <a:fillRef idx="1">
+            <a:schemeClr val="accent1"/>
+          </a:fillRef>
+          <a:effectRef idx="0">
+            <a:schemeClr val="accent1"/>
+          </a:effectRef>
+          <a:fontRef idx="minor">
+            <a:schemeClr val="lt1"/>
+          </a:fontRef>
+        </p:style>
+        <p:txBody>
+          <a:bodyPr rtlCol="0" anchor="ctr"/>
+          <a:lstStyle/>
+          <a:p>
+            <a:pPr lvl="0" algn="ctr"/>
+            <a:r>
+              <a:rPr lang="en-US" altLang="zh-TW" sz="1100" b="1" dirty="0" smtClean="0">
+                <a:solidFill>
+                  <a:schemeClr val="tx1"/>
+                </a:solidFill>
+                <a:latin typeface="標楷體" panose="03000509000000000000" pitchFamily="65" charset="-120"/>
+                <a:ea typeface="標楷體" panose="03000509000000000000" pitchFamily="65" charset="-120"/>
+              </a:rPr>
+              <a:t>1.</a:t>
+            </a:r>
+            <a:r>
+              <a:rPr lang="zh-TW" altLang="zh-TW" sz="1100" b="1" dirty="0" smtClean="0">
+                <a:solidFill>
+                  <a:schemeClr val="tx1"/>
+                </a:solidFill>
+                <a:latin typeface="標楷體" panose="03000509000000000000" pitchFamily="65" charset="-120"/>
+                <a:ea typeface="標楷體" panose="03000509000000000000" pitchFamily="65" charset="-120"/>
+              </a:rPr>
+              <a:t>帳號</a:t>
+            </a:r>
+            <a:endParaRPr lang="en-US" altLang="zh-TW" sz="1100" b="1" dirty="0" smtClean="0">
+              <a:solidFill>
+                <a:schemeClr val="tx1"/>
+              </a:solidFill>
+              <a:latin typeface="標楷體" panose="03000509000000000000" pitchFamily="65" charset="-120"/>
+              <a:ea typeface="標楷體" panose="03000509000000000000" pitchFamily="65" charset="-120"/>
+            </a:endParaRPr>
+          </a:p>
+          <a:p>
+            <a:pPr lvl="0" algn="ctr"/>
+            <a:r>
+              <a:rPr lang="en-US" altLang="zh-TW" sz="1100" b="1" dirty="0" smtClean="0">
+                <a:solidFill>
+                  <a:schemeClr val="tx1"/>
+                </a:solidFill>
+                <a:latin typeface="標楷體" panose="03000509000000000000" pitchFamily="65" charset="-120"/>
+                <a:ea typeface="標楷體" panose="03000509000000000000" pitchFamily="65" charset="-120"/>
+              </a:rPr>
+              <a:t>2.</a:t>
+            </a:r>
+            <a:r>
+              <a:rPr lang="zh-TW" altLang="zh-TW" sz="1100" b="1" dirty="0" smtClean="0">
+                <a:solidFill>
+                  <a:schemeClr val="tx1"/>
+                </a:solidFill>
+                <a:latin typeface="標楷體" panose="03000509000000000000" pitchFamily="65" charset="-120"/>
+                <a:ea typeface="標楷體" panose="03000509000000000000" pitchFamily="65" charset="-120"/>
+              </a:rPr>
+              <a:t>密碼</a:t>
+            </a:r>
+            <a:endParaRPr lang="en-US" altLang="zh-TW" sz="1100" b="1" dirty="0" smtClean="0">
+              <a:solidFill>
+                <a:schemeClr val="tx1"/>
+              </a:solidFill>
+              <a:latin typeface="標楷體" panose="03000509000000000000" pitchFamily="65" charset="-120"/>
+              <a:ea typeface="標楷體" panose="03000509000000000000" pitchFamily="65" charset="-120"/>
+            </a:endParaRPr>
+          </a:p>
+          <a:p>
+            <a:pPr lvl="0" algn="ctr"/>
+            <a:r>
+              <a:rPr lang="en-US" altLang="zh-TW" sz="1100" b="1" dirty="0" smtClean="0">
+                <a:solidFill>
+                  <a:schemeClr val="tx1"/>
+                </a:solidFill>
+                <a:latin typeface="標楷體" panose="03000509000000000000" pitchFamily="65" charset="-120"/>
+                <a:ea typeface="標楷體" panose="03000509000000000000" pitchFamily="65" charset="-120"/>
+              </a:rPr>
+              <a:t>3.</a:t>
+            </a:r>
+            <a:r>
+              <a:rPr lang="zh-TW" altLang="zh-TW" sz="1100" b="1" dirty="0" smtClean="0">
+                <a:solidFill>
+                  <a:schemeClr val="tx1"/>
+                </a:solidFill>
+                <a:latin typeface="標楷體" panose="03000509000000000000" pitchFamily="65" charset="-120"/>
+                <a:ea typeface="標楷體" panose="03000509000000000000" pitchFamily="65" charset="-120"/>
+              </a:rPr>
+              <a:t>姓名</a:t>
+            </a:r>
+            <a:endParaRPr lang="en-US" altLang="zh-TW" sz="1100" b="1" dirty="0" smtClean="0">
+              <a:solidFill>
+                <a:schemeClr val="tx1"/>
+              </a:solidFill>
+              <a:latin typeface="標楷體" panose="03000509000000000000" pitchFamily="65" charset="-120"/>
+              <a:ea typeface="標楷體" panose="03000509000000000000" pitchFamily="65" charset="-120"/>
+            </a:endParaRPr>
+          </a:p>
+          <a:p>
+            <a:pPr lvl="0" algn="ctr"/>
+            <a:r>
+              <a:rPr lang="en-US" altLang="zh-TW" sz="1100" b="1" dirty="0" smtClean="0">
+                <a:solidFill>
+                  <a:schemeClr val="tx1"/>
+                </a:solidFill>
+                <a:latin typeface="標楷體" panose="03000509000000000000" pitchFamily="65" charset="-120"/>
+                <a:ea typeface="標楷體" panose="03000509000000000000" pitchFamily="65" charset="-120"/>
+              </a:rPr>
+              <a:t>4.</a:t>
+            </a:r>
+            <a:r>
+              <a:rPr lang="zh-TW" altLang="zh-TW" sz="1100" b="1" dirty="0" smtClean="0">
+                <a:solidFill>
+                  <a:schemeClr val="tx1"/>
+                </a:solidFill>
+                <a:latin typeface="標楷體" panose="03000509000000000000" pitchFamily="65" charset="-120"/>
+                <a:ea typeface="標楷體" panose="03000509000000000000" pitchFamily="65" charset="-120"/>
+              </a:rPr>
+              <a:t>電話</a:t>
+            </a:r>
+            <a:endParaRPr lang="en-US" altLang="zh-TW" sz="1100" b="1" dirty="0" smtClean="0">
+              <a:solidFill>
+                <a:schemeClr val="tx1"/>
+              </a:solidFill>
+              <a:latin typeface="標楷體" panose="03000509000000000000" pitchFamily="65" charset="-120"/>
+              <a:ea typeface="標楷體" panose="03000509000000000000" pitchFamily="65" charset="-120"/>
+            </a:endParaRPr>
+          </a:p>
+          <a:p>
+            <a:pPr lvl="0" algn="ctr"/>
+            <a:r>
+              <a:rPr lang="en-US" altLang="zh-TW" sz="1100" b="1" dirty="0" smtClean="0">
+                <a:solidFill>
+                  <a:schemeClr val="tx1"/>
+                </a:solidFill>
+                <a:latin typeface="標楷體" panose="03000509000000000000" pitchFamily="65" charset="-120"/>
+                <a:ea typeface="標楷體" panose="03000509000000000000" pitchFamily="65" charset="-120"/>
+              </a:rPr>
+              <a:t>5.e-mail</a:t>
+            </a:r>
+          </a:p>
+          <a:p>
+            <a:pPr lvl="0" algn="ctr"/>
+            <a:r>
+              <a:rPr lang="en-US" altLang="zh-TW" sz="1100" b="1" dirty="0" smtClean="0">
+                <a:solidFill>
+                  <a:schemeClr val="tx1"/>
+                </a:solidFill>
+                <a:latin typeface="標楷體" panose="03000509000000000000" pitchFamily="65" charset="-120"/>
+                <a:ea typeface="標楷體" panose="03000509000000000000" pitchFamily="65" charset="-120"/>
+              </a:rPr>
+              <a:t>6.</a:t>
+            </a:r>
+            <a:r>
+              <a:rPr lang="zh-TW" altLang="zh-TW" sz="1100" b="1" dirty="0" smtClean="0">
+                <a:solidFill>
+                  <a:schemeClr val="tx1"/>
+                </a:solidFill>
+                <a:latin typeface="標楷體" panose="03000509000000000000" pitchFamily="65" charset="-120"/>
+                <a:ea typeface="標楷體" panose="03000509000000000000" pitchFamily="65" charset="-120"/>
+              </a:rPr>
+              <a:t>地址</a:t>
+            </a:r>
+            <a:endParaRPr lang="en-US" altLang="zh-TW" sz="1100" b="1" dirty="0" smtClean="0">
+              <a:solidFill>
+                <a:schemeClr val="tx1"/>
+              </a:solidFill>
+              <a:latin typeface="標楷體" panose="03000509000000000000" pitchFamily="65" charset="-120"/>
+              <a:ea typeface="標楷體" panose="03000509000000000000" pitchFamily="65" charset="-120"/>
+            </a:endParaRPr>
+          </a:p>
+          <a:p>
+            <a:pPr lvl="0" algn="ctr"/>
+            <a:r>
+              <a:rPr lang="en-US" altLang="zh-TW" sz="1100" b="1" dirty="0" smtClean="0">
+                <a:solidFill>
+                  <a:schemeClr val="tx1"/>
+                </a:solidFill>
+                <a:latin typeface="標楷體" panose="03000509000000000000" pitchFamily="65" charset="-120"/>
+                <a:ea typeface="標楷體" panose="03000509000000000000" pitchFamily="65" charset="-120"/>
+              </a:rPr>
+              <a:t>7.</a:t>
+            </a:r>
+            <a:r>
+              <a:rPr lang="zh-TW" altLang="zh-TW" sz="1100" b="1" dirty="0" smtClean="0">
+                <a:solidFill>
+                  <a:schemeClr val="tx1"/>
+                </a:solidFill>
+                <a:latin typeface="標楷體" panose="03000509000000000000" pitchFamily="65" charset="-120"/>
+                <a:ea typeface="標楷體" panose="03000509000000000000" pitchFamily="65" charset="-120"/>
+              </a:rPr>
+              <a:t>生日</a:t>
+            </a:r>
+            <a:endParaRPr lang="zh-TW" altLang="zh-TW" sz="1100" b="1" dirty="0">
+              <a:solidFill>
+                <a:schemeClr val="tx1"/>
+              </a:solidFill>
+              <a:latin typeface="標楷體" panose="03000509000000000000" pitchFamily="65" charset="-120"/>
+              <a:ea typeface="標楷體" panose="03000509000000000000" pitchFamily="65" charset="-120"/>
+            </a:endParaRPr>
+          </a:p>
+        </p:txBody>
+      </p:sp>
+      <p:cxnSp>
+        <p:nvCxnSpPr>
+          <p:cNvPr id="6" name="直線單箭頭接點 5"/>
+          <p:cNvCxnSpPr/>
+          <p:nvPr/>
+        </p:nvCxnSpPr>
+        <p:spPr>
+          <a:xfrm>
+            <a:off x="2475014" y="1572126"/>
+            <a:ext cx="757735" cy="659381"/>
+          </a:xfrm>
+          <a:prstGeom prst="straightConnector1">
+            <a:avLst/>
+          </a:prstGeom>
+          <a:ln>
+            <a:solidFill>
+              <a:srgbClr val="C00000"/>
+            </a:solidFill>
+            <a:tailEnd type="arrow"/>
+          </a:ln>
+        </p:spPr>
+        <p:style>
+          <a:lnRef idx="1">
+            <a:schemeClr val="accent1"/>
+          </a:lnRef>
+          <a:fillRef idx="0">
+            <a:schemeClr val="accent1"/>
+          </a:fillRef>
+          <a:effectRef idx="0">
+            <a:schemeClr val="accent1"/>
+          </a:effectRef>
+          <a:fontRef idx="minor">
+            <a:schemeClr val="tx1"/>
+          </a:fontRef>
+        </p:style>
+      </p:cxnSp>
+      <p:sp>
+        <p:nvSpPr>
+          <p:cNvPr id="8" name="圓角矩形 7"/>
+          <p:cNvSpPr/>
+          <p:nvPr/>
+        </p:nvSpPr>
+        <p:spPr>
+          <a:xfrm>
+            <a:off x="2120688" y="4634360"/>
+            <a:ext cx="1112061" cy="573791"/>
+          </a:xfrm>
+          <a:prstGeom prst="roundRect">
+            <a:avLst/>
+          </a:prstGeom>
+        </p:spPr>
+        <p:style>
+          <a:lnRef idx="2">
+            <a:schemeClr val="accent1">
+              <a:shade val="50000"/>
+            </a:schemeClr>
+          </a:lnRef>
+          <a:fillRef idx="1">
+            <a:schemeClr val="accent1"/>
+          </a:fillRef>
+          <a:effectRef idx="0">
+            <a:schemeClr val="accent1"/>
+          </a:effectRef>
+          <a:fontRef idx="minor">
+            <a:schemeClr val="lt1"/>
+          </a:fontRef>
+        </p:style>
+        <p:txBody>
+          <a:bodyPr rtlCol="0" anchor="ctr"/>
+          <a:lstStyle/>
+          <a:p>
+            <a:pPr algn="ctr"/>
+            <a:endParaRPr lang="zh-TW" altLang="en-US"/>
+          </a:p>
+        </p:txBody>
+      </p:sp>
+      <p:cxnSp>
+        <p:nvCxnSpPr>
+          <p:cNvPr id="10" name="直線單箭頭接點 9"/>
+          <p:cNvCxnSpPr>
+            <a:stCxn id="33" idx="0"/>
+            <a:endCxn id="4" idx="2"/>
+          </p:cNvCxnSpPr>
+          <p:nvPr/>
+        </p:nvCxnSpPr>
+        <p:spPr>
+          <a:xfrm flipV="1">
+            <a:off x="4585905" y="1241958"/>
+            <a:ext cx="1662658" cy="2713728"/>
+          </a:xfrm>
+          <a:prstGeom prst="straightConnector1">
+            <a:avLst/>
+          </a:prstGeom>
+          <a:ln>
+            <a:tailEnd type="arrow"/>
+          </a:ln>
+        </p:spPr>
+        <p:style>
+          <a:lnRef idx="1">
+            <a:schemeClr val="accent1"/>
+          </a:lnRef>
+          <a:fillRef idx="0">
+            <a:schemeClr val="accent1"/>
+          </a:fillRef>
+          <a:effectRef idx="0">
+            <a:schemeClr val="accent1"/>
+          </a:effectRef>
+          <a:fontRef idx="minor">
+            <a:schemeClr val="tx1"/>
+          </a:fontRef>
+        </p:style>
+      </p:cxnSp>
+      <p:sp>
+        <p:nvSpPr>
+          <p:cNvPr id="37" name="橢圓 36"/>
+          <p:cNvSpPr/>
+          <p:nvPr/>
+        </p:nvSpPr>
+        <p:spPr>
+          <a:xfrm>
+            <a:off x="6211169" y="1036347"/>
+            <a:ext cx="364825" cy="411219"/>
+          </a:xfrm>
+          <a:prstGeom prst="ellipse">
+            <a:avLst/>
+          </a:prstGeom>
+          <a:noFill/>
+        </p:spPr>
+        <p:style>
+          <a:lnRef idx="2">
+            <a:schemeClr val="accent1">
+              <a:shade val="50000"/>
+            </a:schemeClr>
+          </a:lnRef>
+          <a:fillRef idx="1">
+            <a:schemeClr val="accent1"/>
+          </a:fillRef>
+          <a:effectRef idx="0">
+            <a:schemeClr val="accent1"/>
+          </a:effectRef>
+          <a:fontRef idx="minor">
+            <a:schemeClr val="lt1"/>
+          </a:fontRef>
+        </p:style>
+        <p:txBody>
+          <a:bodyPr rtlCol="0" anchor="ctr"/>
+          <a:lstStyle/>
+          <a:p>
+            <a:pPr algn="ctr"/>
+            <a:endParaRPr lang="zh-TW" altLang="en-US"/>
+          </a:p>
+        </p:txBody>
+      </p:sp>
+      <p:cxnSp>
+        <p:nvCxnSpPr>
+          <p:cNvPr id="39" name="弧形接點 38"/>
+          <p:cNvCxnSpPr/>
+          <p:nvPr/>
+        </p:nvCxnSpPr>
+        <p:spPr>
+          <a:xfrm rot="16200000" flipH="1">
+            <a:off x="1425851" y="921549"/>
+            <a:ext cx="666701" cy="273764"/>
+          </a:xfrm>
+          <a:prstGeom prst="curvedConnector3">
+            <a:avLst>
+              <a:gd name="adj1" fmla="val 75716"/>
+            </a:avLst>
+          </a:prstGeom>
+        </p:spPr>
+        <p:style>
+          <a:lnRef idx="1">
+            <a:schemeClr val="accent1"/>
+          </a:lnRef>
+          <a:fillRef idx="0">
+            <a:schemeClr val="accent1"/>
+          </a:fillRef>
+          <a:effectRef idx="0">
+            <a:schemeClr val="accent1"/>
+          </a:effectRef>
+          <a:fontRef idx="minor">
+            <a:schemeClr val="tx1"/>
+          </a:fontRef>
+        </p:style>
+      </p:cxnSp>
+      <p:sp>
+        <p:nvSpPr>
+          <p:cNvPr id="43" name="菱形 42"/>
+          <p:cNvSpPr/>
+          <p:nvPr/>
+        </p:nvSpPr>
+        <p:spPr>
+          <a:xfrm>
+            <a:off x="5902387" y="1831161"/>
+            <a:ext cx="982387" cy="982387"/>
+          </a:xfrm>
+          <a:prstGeom prst="diamond">
+            <a:avLst/>
+          </a:prstGeom>
+        </p:spPr>
+        <p:style>
+          <a:lnRef idx="2">
+            <a:schemeClr val="accent1">
+              <a:shade val="50000"/>
+            </a:schemeClr>
+          </a:lnRef>
+          <a:fillRef idx="1">
+            <a:schemeClr val="accent1"/>
+          </a:fillRef>
+          <a:effectRef idx="0">
+            <a:schemeClr val="accent1"/>
+          </a:effectRef>
+          <a:fontRef idx="minor">
+            <a:schemeClr val="lt1"/>
+          </a:fontRef>
+        </p:style>
+        <p:txBody>
+          <a:bodyPr rtlCol="0" anchor="ctr"/>
+          <a:lstStyle/>
+          <a:p>
+            <a:pPr algn="ctr"/>
+            <a:endParaRPr lang="zh-TW" altLang="en-US"/>
+          </a:p>
+        </p:txBody>
+      </p:sp>
+    </p:spTree>
+    <p:extLst>
+      <p:ext uri="{BB962C8B-B14F-4D97-AF65-F5344CB8AC3E}">
+        <p14:creationId xmlns:p14="http://schemas.microsoft.com/office/powerpoint/2010/main" val="367447094"/>
+      </p:ext>
+    </p:extLst>
+  </p:cSld>
+  <p:clrMapOvr>
+    <a:masterClrMapping/>
+  </p:clrMapOvr>
+</p:sld>
+</file>
+
+<file path=ppt/slides/slide2.xml><?xml version="1.0" encoding="utf-8"?>
+<p:sld xmlns:a="http://schemas.openxmlformats.org/drawingml/2006/main" xmlns:r="http://schemas.openxmlformats.org/officeDocument/2006/relationships" xmlns:p="http://schemas.openxmlformats.org/presentationml/2006/main">
+  <p:cSld>
+    <p:spTree>
+      <p:nvGrpSpPr>
+        <p:cNvPr id="1" name=""/>
+        <p:cNvGrpSpPr/>
+        <p:nvPr/>
+      </p:nvGrpSpPr>
+      <p:grpSpPr>
+        <a:xfrm>
+          <a:off x="0" y="0"/>
+          <a:ext cx="0" cy="0"/>
+          <a:chOff x="0" y="0"/>
+          <a:chExt cx="0" cy="0"/>
+        </a:xfrm>
+      </p:grpSpPr>
+      <p:sp>
+        <p:nvSpPr>
+          <p:cNvPr id="2" name="菱形 1"/>
+          <p:cNvSpPr/>
+          <p:nvPr/>
+        </p:nvSpPr>
+        <p:spPr>
+          <a:xfrm>
+            <a:off x="1749212" y="2322637"/>
+            <a:ext cx="1244705" cy="907761"/>
+          </a:xfrm>
+          <a:prstGeom prst="diamond">
+            <a:avLst/>
+          </a:prstGeom>
+          <a:solidFill>
+            <a:schemeClr val="accent6">
+              <a:lumMod val="40000"/>
+              <a:lumOff val="60000"/>
+            </a:schemeClr>
+          </a:solidFill>
+          <a:ln>
+            <a:solidFill>
+              <a:schemeClr val="accent6">
+                <a:lumMod val="50000"/>
+              </a:schemeClr>
+            </a:solidFill>
+          </a:ln>
+        </p:spPr>
+        <p:style>
+          <a:lnRef idx="2">
+            <a:schemeClr val="accent1">
+              <a:shade val="50000"/>
+            </a:schemeClr>
+          </a:lnRef>
+          <a:fillRef idx="1">
+            <a:schemeClr val="accent1"/>
+          </a:fillRef>
+          <a:effectRef idx="0">
+            <a:schemeClr val="accent1"/>
+          </a:effectRef>
+          <a:fontRef idx="minor">
+            <a:schemeClr val="lt1"/>
+          </a:fontRef>
+        </p:style>
+        <p:txBody>
+          <a:bodyPr rtlCol="0" anchor="ctr"/>
+          <a:lstStyle/>
+          <a:p>
+            <a:pPr algn="ctr"/>
+            <a:endParaRPr lang="zh-TW" altLang="en-US"/>
+          </a:p>
+        </p:txBody>
+      </p:sp>
+      <p:cxnSp>
+        <p:nvCxnSpPr>
+          <p:cNvPr id="3" name="直線單箭頭接點 2"/>
+          <p:cNvCxnSpPr/>
+          <p:nvPr/>
+        </p:nvCxnSpPr>
+        <p:spPr>
+          <a:xfrm>
+            <a:off x="2475014" y="1572126"/>
+            <a:ext cx="757735" cy="659381"/>
+          </a:xfrm>
+          <a:prstGeom prst="straightConnector1">
+            <a:avLst/>
+          </a:prstGeom>
+          <a:ln>
+            <a:solidFill>
+              <a:srgbClr val="C00000"/>
+            </a:solidFill>
+            <a:tailEnd type="arrow"/>
+          </a:ln>
+        </p:spPr>
+        <p:style>
+          <a:lnRef idx="1">
+            <a:schemeClr val="accent1"/>
+          </a:lnRef>
+          <a:fillRef idx="0">
+            <a:schemeClr val="accent1"/>
+          </a:fillRef>
+          <a:effectRef idx="0">
+            <a:schemeClr val="accent1"/>
+          </a:effectRef>
+          <a:fontRef idx="minor">
+            <a:schemeClr val="tx1"/>
+          </a:fontRef>
+        </p:style>
+      </p:cxnSp>
+      <p:sp>
+        <p:nvSpPr>
+          <p:cNvPr id="4" name="圓角矩形 3"/>
+          <p:cNvSpPr/>
+          <p:nvPr/>
+        </p:nvSpPr>
+        <p:spPr>
+          <a:xfrm>
+            <a:off x="2120688" y="4634360"/>
+            <a:ext cx="1112061" cy="573791"/>
+          </a:xfrm>
+          <a:prstGeom prst="roundRect">
+            <a:avLst/>
+          </a:prstGeom>
+          <a:solidFill>
+            <a:schemeClr val="bg1">
+              <a:lumMod val="75000"/>
+            </a:schemeClr>
+          </a:solidFill>
+          <a:ln>
+            <a:solidFill>
+              <a:schemeClr val="bg1">
+                <a:lumMod val="75000"/>
+              </a:schemeClr>
+            </a:solidFill>
+          </a:ln>
+        </p:spPr>
+        <p:style>
+          <a:lnRef idx="2">
+            <a:schemeClr val="accent1">
+              <a:shade val="50000"/>
+            </a:schemeClr>
+          </a:lnRef>
+          <a:fillRef idx="1">
+            <a:schemeClr val="accent1"/>
+          </a:fillRef>
+          <a:effectRef idx="0">
+            <a:schemeClr val="accent1"/>
+          </a:effectRef>
+          <a:fontRef idx="minor">
+            <a:schemeClr val="lt1"/>
+          </a:fontRef>
+        </p:style>
+        <p:txBody>
+          <a:bodyPr rtlCol="0" anchor="ctr"/>
+          <a:lstStyle/>
+          <a:p>
+            <a:pPr algn="ctr"/>
+            <a:endParaRPr lang="zh-TW" altLang="en-US"/>
+          </a:p>
+        </p:txBody>
+      </p:sp>
+      <p:sp>
+        <p:nvSpPr>
+          <p:cNvPr id="5" name="矩形 4"/>
+          <p:cNvSpPr/>
+          <p:nvPr/>
+        </p:nvSpPr>
+        <p:spPr>
+          <a:xfrm>
+            <a:off x="7804777" y="3916472"/>
             <a:ext cx="763874" cy="1416509"/>
           </a:xfrm>
           <a:prstGeom prst="rect">
@@ -4540,7 +5181,7 @@
     </p:spTree>
     <p:extLst>
       <p:ext uri="{BB962C8B-B14F-4D97-AF65-F5344CB8AC3E}">
-        <p14:creationId xmlns:p14="http://schemas.microsoft.com/office/powerpoint/2010/main" val="367447094"/>
+        <p14:creationId xmlns:p14="http://schemas.microsoft.com/office/powerpoint/2010/main" val="2617643057"/>
       </p:ext>
     </p:extLst>
   </p:cSld>
@@ -4550,7 +5191,7 @@
 </p:sld>
 </file>
 
-<file path=ppt/slides/slide2.xml><?xml version="1.0" encoding="utf-8"?>
+<file path=ppt/slides/slide3.xml><?xml version="1.0" encoding="utf-8"?>
 <p:sld xmlns:a="http://schemas.openxmlformats.org/drawingml/2006/main" xmlns:r="http://schemas.openxmlformats.org/officeDocument/2006/relationships" xmlns:p="http://schemas.openxmlformats.org/presentationml/2006/main">
   <p:cSld>
     <p:spTree>
@@ -5603,7 +6244,7 @@
 </p:sld>
 </file>
 
-<file path=ppt/slides/slide3.xml><?xml version="1.0" encoding="utf-8"?>
+<file path=ppt/slides/slide4.xml><?xml version="1.0" encoding="utf-8"?>
 <p:sld xmlns:a="http://schemas.openxmlformats.org/drawingml/2006/main" xmlns:r="http://schemas.openxmlformats.org/officeDocument/2006/relationships" xmlns:p="http://schemas.openxmlformats.org/presentationml/2006/main">
   <p:cSld>
     <p:spTree>
@@ -6632,7 +7273,7 @@
 </p:sld>
 </file>
 
-<file path=ppt/slides/slide4.xml><?xml version="1.0" encoding="utf-8"?>
+<file path=ppt/slides/slide5.xml><?xml version="1.0" encoding="utf-8"?>
 <p:sld xmlns:a="http://schemas.openxmlformats.org/drawingml/2006/main" xmlns:r="http://schemas.openxmlformats.org/officeDocument/2006/relationships" xmlns:p="http://schemas.openxmlformats.org/presentationml/2006/main">
   <p:cSld>
     <p:spTree>
@@ -6657,7 +7298,7 @@
         </p:nvGrpSpPr>
         <p:grpSpPr>
           <a:xfrm>
-            <a:off x="4342090" y="-253424"/>
+            <a:off x="4371817" y="-253424"/>
             <a:ext cx="2691655" cy="7726886"/>
             <a:chOff x="4386052" y="-1189344"/>
             <a:chExt cx="2691655" cy="7726886"/>
@@ -8520,7 +9161,7 @@
 </p:sld>
 </file>
 
-<file path=ppt/slides/slide5.xml><?xml version="1.0" encoding="utf-8"?>
+<file path=ppt/slides/slide6.xml><?xml version="1.0" encoding="utf-8"?>
 <p:sld xmlns:a="http://schemas.openxmlformats.org/drawingml/2006/main" xmlns:r="http://schemas.openxmlformats.org/officeDocument/2006/relationships" xmlns:p="http://schemas.openxmlformats.org/presentationml/2006/main">
   <p:cSld>
     <p:spTree>
@@ -9902,7 +10543,7 @@
 </p:sld>
 </file>
 
-<file path=ppt/slides/slide6.xml><?xml version="1.0" encoding="utf-8"?>
+<file path=ppt/slides/slide7.xml><?xml version="1.0" encoding="utf-8"?>
 <p:sld xmlns:a="http://schemas.openxmlformats.org/drawingml/2006/main" xmlns:r="http://schemas.openxmlformats.org/officeDocument/2006/relationships" xmlns:p="http://schemas.openxmlformats.org/presentationml/2006/main">
   <p:cSld>
     <p:spTree>
@@ -9969,10 +10610,6 @@
                 </a:rPr>
                 <a:t>維護</a:t>
               </a:r>
-              <a:endParaRPr lang="zh-TW" altLang="en-US" b="1" dirty="0">
-                <a:latin typeface="標楷體" panose="03000509000000000000" pitchFamily="65" charset="-120"/>
-                <a:ea typeface="標楷體" panose="03000509000000000000" pitchFamily="65" charset="-120"/>
-              </a:endParaRPr>
             </a:p>
           </p:txBody>
         </p:sp>
@@ -10188,13 +10825,6 @@
                         </a:rPr>
                         <a:t>維護</a:t>
                       </a:r>
-                      <a:endParaRPr lang="zh-TW" altLang="en-US" sz="1400" b="1" dirty="0">
-                        <a:solidFill>
-                          <a:schemeClr val="tx1"/>
-                        </a:solidFill>
-                        <a:latin typeface="標楷體" panose="03000509000000000000" pitchFamily="65" charset="-120"/>
-                        <a:ea typeface="標楷體" panose="03000509000000000000" pitchFamily="65" charset="-120"/>
-                      </a:endParaRPr>
                     </a:p>
                   </p:txBody>
                 </p:sp>
@@ -10382,10 +11012,6 @@
                         </a:rPr>
                         <a:t>作</a:t>
                       </a:r>
-                      <a:endParaRPr lang="zh-TW" altLang="en-US" sz="1200" b="1" dirty="0">
-                        <a:latin typeface="標楷體" panose="03000509000000000000" pitchFamily="65" charset="-120"/>
-                        <a:ea typeface="標楷體" panose="03000509000000000000" pitchFamily="65" charset="-120"/>
-                      </a:endParaRPr>
                     </a:p>
                   </p:txBody>
                 </p:sp>
@@ -10458,13 +11084,6 @@
                       </a:rPr>
                       <a:t>商品</a:t>
                     </a:r>
-                    <a:endParaRPr lang="zh-TW" altLang="en-US" sz="1400" b="1" dirty="0">
-                      <a:solidFill>
-                        <a:schemeClr val="tx1"/>
-                      </a:solidFill>
-                      <a:latin typeface="標楷體" panose="03000509000000000000" pitchFamily="65" charset="-120"/>
-                      <a:ea typeface="標楷體" panose="03000509000000000000" pitchFamily="65" charset="-120"/>
-                    </a:endParaRPr>
                   </a:p>
                 </p:txBody>
               </p:sp>
@@ -10766,10 +11385,6 @@
                       </a:rPr>
                       <a:t>品</a:t>
                     </a:r>
-                    <a:endParaRPr lang="zh-TW" altLang="en-US" sz="1200" b="1" dirty="0">
-                      <a:latin typeface="標楷體" panose="03000509000000000000" pitchFamily="65" charset="-120"/>
-                      <a:ea typeface="標楷體" panose="03000509000000000000" pitchFamily="65" charset="-120"/>
-                    </a:endParaRPr>
                   </a:p>
                 </p:txBody>
               </p:sp>
@@ -10901,27 +11516,7 @@
                         <a:latin typeface="標楷體" panose="03000509000000000000" pitchFamily="65" charset="-120"/>
                         <a:ea typeface="標楷體" panose="03000509000000000000" pitchFamily="65" charset="-120"/>
                       </a:rPr>
-                      <a:t>選取</a:t>
-                    </a:r>
-                    <a:r>
-                      <a:rPr lang="zh-TW" altLang="en-US" sz="1400" b="1" dirty="0" smtClean="0">
-                        <a:solidFill>
-                          <a:schemeClr val="tx1"/>
-                        </a:solidFill>
-                        <a:latin typeface="標楷體" panose="03000509000000000000" pitchFamily="65" charset="-120"/>
-                        <a:ea typeface="標楷體" panose="03000509000000000000" pitchFamily="65" charset="-120"/>
-                      </a:rPr>
-                      <a:t>欲</a:t>
-                    </a:r>
-                    <a:r>
-                      <a:rPr lang="zh-TW" altLang="en-US" sz="1400" b="1" dirty="0" smtClean="0">
-                        <a:solidFill>
-                          <a:schemeClr val="tx1"/>
-                        </a:solidFill>
-                        <a:latin typeface="標楷體" panose="03000509000000000000" pitchFamily="65" charset="-120"/>
-                        <a:ea typeface="標楷體" panose="03000509000000000000" pitchFamily="65" charset="-120"/>
-                      </a:rPr>
-                      <a:t>修改商</a:t>
+                      <a:t>選取欲修改商</a:t>
                     </a:r>
                     <a:r>
                       <a:rPr lang="zh-TW" altLang="en-US" sz="1400" b="1" dirty="0">
@@ -10933,13 +11528,6 @@
                       </a:rPr>
                       <a:t>品</a:t>
                     </a:r>
-                    <a:endParaRPr lang="zh-TW" altLang="en-US" sz="1400" b="1" dirty="0">
-                      <a:solidFill>
-                        <a:schemeClr val="tx1"/>
-                      </a:solidFill>
-                      <a:latin typeface="標楷體" panose="03000509000000000000" pitchFamily="65" charset="-120"/>
-                      <a:ea typeface="標楷體" panose="03000509000000000000" pitchFamily="65" charset="-120"/>
-                    </a:endParaRPr>
                   </a:p>
                 </p:txBody>
               </p:sp>
@@ -11011,13 +11599,6 @@
                       </a:rPr>
                       <a:t>品</a:t>
                     </a:r>
-                    <a:endParaRPr lang="zh-TW" altLang="en-US" sz="1400" b="1" dirty="0">
-                      <a:solidFill>
-                        <a:schemeClr val="tx1"/>
-                      </a:solidFill>
-                      <a:latin typeface="標楷體" panose="03000509000000000000" pitchFamily="65" charset="-120"/>
-                      <a:ea typeface="標楷體" panose="03000509000000000000" pitchFamily="65" charset="-120"/>
-                    </a:endParaRPr>
                   </a:p>
                 </p:txBody>
               </p:sp>
@@ -11281,13 +11862,6 @@
                       </a:rPr>
                       <a:t>料</a:t>
                     </a:r>
-                    <a:endParaRPr lang="zh-TW" altLang="en-US" sz="1400" b="1" dirty="0">
-                      <a:solidFill>
-                        <a:schemeClr val="tx1"/>
-                      </a:solidFill>
-                      <a:latin typeface="標楷體" panose="03000509000000000000" pitchFamily="65" charset="-120"/>
-                      <a:ea typeface="標楷體" panose="03000509000000000000" pitchFamily="65" charset="-120"/>
-                    </a:endParaRPr>
                   </a:p>
                 </p:txBody>
               </p:sp>
@@ -11359,13 +11933,6 @@
                       </a:rPr>
                       <a:t>品</a:t>
                     </a:r>
-                    <a:endParaRPr lang="zh-TW" altLang="en-US" sz="1400" b="1" dirty="0">
-                      <a:solidFill>
-                        <a:schemeClr val="tx1"/>
-                      </a:solidFill>
-                      <a:latin typeface="標楷體" panose="03000509000000000000" pitchFamily="65" charset="-120"/>
-                      <a:ea typeface="標楷體" panose="03000509000000000000" pitchFamily="65" charset="-120"/>
-                    </a:endParaRPr>
                   </a:p>
                 </p:txBody>
               </p:sp>
@@ -11577,13 +12144,6 @@
                   </a:rPr>
                   <a:t>結束</a:t>
                 </a:r>
-                <a:endParaRPr lang="zh-TW" altLang="en-US" sz="1400" b="1" dirty="0">
-                  <a:solidFill>
-                    <a:schemeClr val="tx1"/>
-                  </a:solidFill>
-                  <a:latin typeface="標楷體" panose="03000509000000000000" pitchFamily="65" charset="-120"/>
-                  <a:ea typeface="標楷體" panose="03000509000000000000" pitchFamily="65" charset="-120"/>
-                </a:endParaRPr>
               </a:p>
             </p:txBody>
           </p:sp>
@@ -12106,7 +12666,7 @@
 </p:sld>
 </file>
 
-<file path=ppt/slides/slide7.xml><?xml version="1.0" encoding="utf-8"?>
+<file path=ppt/slides/slide8.xml><?xml version="1.0" encoding="utf-8"?>
 <p:sld xmlns:a="http://schemas.openxmlformats.org/drawingml/2006/main" xmlns:r="http://schemas.openxmlformats.org/officeDocument/2006/relationships" xmlns:p="http://schemas.openxmlformats.org/presentationml/2006/main">
   <p:cSld>
     <p:spTree>
@@ -12205,13 +12765,6 @@
                 </a:rPr>
                 <a:t>預約</a:t>
               </a:r>
-              <a:endParaRPr lang="zh-TW" altLang="en-US" sz="1400" b="1" dirty="0">
-                <a:solidFill>
-                  <a:schemeClr val="tx1"/>
-                </a:solidFill>
-                <a:latin typeface="標楷體" panose="03000509000000000000" pitchFamily="65" charset="-120"/>
-                <a:ea typeface="標楷體" panose="03000509000000000000" pitchFamily="65" charset="-120"/>
-              </a:endParaRPr>
             </a:p>
           </p:txBody>
         </p:sp>
@@ -12442,10 +12995,6 @@
                   </a:rPr>
                   <a:t>預約</a:t>
                 </a:r>
-                <a:endParaRPr lang="zh-TW" altLang="en-US" b="1" dirty="0">
-                  <a:latin typeface="標楷體" panose="03000509000000000000" pitchFamily="65" charset="-120"/>
-                  <a:ea typeface="標楷體" panose="03000509000000000000" pitchFamily="65" charset="-120"/>
-                </a:endParaRPr>
               </a:p>
             </p:txBody>
           </p:sp>
@@ -12653,10 +13202,6 @@
                   </a:rPr>
                   <a:t>型</a:t>
                 </a:r>
-                <a:endParaRPr lang="zh-TW" altLang="en-US" sz="1200" b="1" dirty="0">
-                  <a:latin typeface="標楷體" panose="03000509000000000000" pitchFamily="65" charset="-120"/>
-                  <a:ea typeface="標楷體" panose="03000509000000000000" pitchFamily="65" charset="-120"/>
-                </a:endParaRPr>
               </a:p>
             </p:txBody>
           </p:sp>
@@ -12823,10 +13368,6 @@
                   </a:rPr>
                   <a:t>者</a:t>
                 </a:r>
-                <a:endParaRPr lang="zh-TW" altLang="en-US" sz="1200" b="1" dirty="0">
-                  <a:latin typeface="標楷體" panose="03000509000000000000" pitchFamily="65" charset="-120"/>
-                  <a:ea typeface="標楷體" panose="03000509000000000000" pitchFamily="65" charset="-120"/>
-                </a:endParaRPr>
               </a:p>
             </p:txBody>
           </p:sp>
@@ -13007,10 +13548,6 @@
                   </a:rPr>
                   <a:t>作</a:t>
                 </a:r>
-                <a:endParaRPr lang="zh-TW" altLang="en-US" sz="1200" b="1" dirty="0">
-                  <a:latin typeface="標楷體" panose="03000509000000000000" pitchFamily="65" charset="-120"/>
-                  <a:ea typeface="標楷體" panose="03000509000000000000" pitchFamily="65" charset="-120"/>
-                </a:endParaRPr>
               </a:p>
             </p:txBody>
           </p:sp>
@@ -13639,13 +14176,6 @@
                   </a:rPr>
                   <a:t>料</a:t>
                 </a:r>
-                <a:endParaRPr lang="zh-TW" altLang="en-US" sz="1400" b="1" dirty="0">
-                  <a:solidFill>
-                    <a:schemeClr val="tx1"/>
-                  </a:solidFill>
-                  <a:latin typeface="標楷體" panose="03000509000000000000" pitchFamily="65" charset="-120"/>
-                  <a:ea typeface="標楷體" panose="03000509000000000000" pitchFamily="65" charset="-120"/>
-                </a:endParaRPr>
               </a:p>
             </p:txBody>
           </p:sp>
@@ -13778,10 +14308,6 @@
                   </a:rPr>
                   <a:t>結束</a:t>
                 </a:r>
-                <a:endParaRPr lang="zh-TW" altLang="en-US" sz="1400" b="1" dirty="0">
-                  <a:latin typeface="標楷體" panose="03000509000000000000" pitchFamily="65" charset="-120"/>
-                  <a:ea typeface="標楷體" panose="03000509000000000000" pitchFamily="65" charset="-120"/>
-                </a:endParaRPr>
               </a:p>
             </p:txBody>
           </p:sp>
@@ -13843,14 +14369,7 @@
                     <a:latin typeface="標楷體" panose="03000509000000000000" pitchFamily="65" charset="-120"/>
                     <a:ea typeface="標楷體" panose="03000509000000000000" pitchFamily="65" charset="-120"/>
                   </a:rPr>
-                  <a:t>確認資料</a:t>
-                </a:r>
-                <a:r>
-                  <a:rPr lang="zh-TW" altLang="en-US" sz="1200" b="1" dirty="0" smtClean="0">
-                    <a:latin typeface="標楷體" panose="03000509000000000000" pitchFamily="65" charset="-120"/>
-                    <a:ea typeface="標楷體" panose="03000509000000000000" pitchFamily="65" charset="-120"/>
-                  </a:rPr>
-                  <a:t>是</a:t>
+                  <a:t>確認資料是</a:t>
                 </a:r>
                 <a:endParaRPr lang="en-US" altLang="zh-TW" sz="1200" b="1" dirty="0" smtClean="0">
                   <a:latin typeface="標楷體" panose="03000509000000000000" pitchFamily="65" charset="-120"/>
@@ -13863,14 +14382,7 @@
                     <a:latin typeface="標楷體" panose="03000509000000000000" pitchFamily="65" charset="-120"/>
                     <a:ea typeface="標楷體" panose="03000509000000000000" pitchFamily="65" charset="-120"/>
                   </a:rPr>
-                  <a:t>否</a:t>
-                </a:r>
-                <a:r>
-                  <a:rPr lang="zh-TW" altLang="en-US" sz="1200" b="1" dirty="0" smtClean="0">
-                    <a:latin typeface="標楷體" panose="03000509000000000000" pitchFamily="65" charset="-120"/>
-                    <a:ea typeface="標楷體" panose="03000509000000000000" pitchFamily="65" charset="-120"/>
-                  </a:rPr>
-                  <a:t>無誤？</a:t>
+                  <a:t>否無誤？</a:t>
                 </a:r>
                 <a:endParaRPr lang="zh-TW" altLang="en-US" sz="1200" b="1" dirty="0">
                   <a:latin typeface="標楷體" panose="03000509000000000000" pitchFamily="65" charset="-120"/>
@@ -14189,14 +14701,7 @@
                     <a:latin typeface="標楷體" panose="03000509000000000000" pitchFamily="65" charset="-120"/>
                     <a:ea typeface="標楷體" panose="03000509000000000000" pitchFamily="65" charset="-120"/>
                   </a:rPr>
-                  <a:t>確認資料</a:t>
-                </a:r>
-                <a:r>
-                  <a:rPr lang="zh-TW" altLang="en-US" sz="1200" b="1" dirty="0" smtClean="0">
-                    <a:latin typeface="標楷體" panose="03000509000000000000" pitchFamily="65" charset="-120"/>
-                    <a:ea typeface="標楷體" panose="03000509000000000000" pitchFamily="65" charset="-120"/>
-                  </a:rPr>
-                  <a:t>是</a:t>
+                  <a:t>確認資料是</a:t>
                 </a:r>
                 <a:endParaRPr lang="en-US" altLang="zh-TW" sz="1200" b="1" dirty="0" smtClean="0">
                   <a:latin typeface="標楷體" panose="03000509000000000000" pitchFamily="65" charset="-120"/>
@@ -14209,14 +14714,7 @@
                     <a:latin typeface="標楷體" panose="03000509000000000000" pitchFamily="65" charset="-120"/>
                     <a:ea typeface="標楷體" panose="03000509000000000000" pitchFamily="65" charset="-120"/>
                   </a:rPr>
-                  <a:t>否</a:t>
-                </a:r>
-                <a:r>
-                  <a:rPr lang="zh-TW" altLang="en-US" sz="1200" b="1" dirty="0" smtClean="0">
-                    <a:latin typeface="標楷體" panose="03000509000000000000" pitchFamily="65" charset="-120"/>
-                    <a:ea typeface="標楷體" panose="03000509000000000000" pitchFamily="65" charset="-120"/>
-                  </a:rPr>
-                  <a:t>無誤？</a:t>
+                  <a:t>否無誤？</a:t>
                 </a:r>
                 <a:endParaRPr lang="zh-TW" altLang="en-US" sz="1200" b="1" dirty="0">
                   <a:latin typeface="標楷體" panose="03000509000000000000" pitchFamily="65" charset="-120"/>
@@ -14461,10 +14959,6 @@
                   </a:rPr>
                   <a:t>改</a:t>
                 </a:r>
-                <a:endParaRPr lang="zh-TW" altLang="en-US" sz="1200" b="1" dirty="0">
-                  <a:latin typeface="標楷體" panose="03000509000000000000" pitchFamily="65" charset="-120"/>
-                  <a:ea typeface="標楷體" panose="03000509000000000000" pitchFamily="65" charset="-120"/>
-                </a:endParaRPr>
               </a:p>
             </p:txBody>
           </p:sp>
@@ -14656,13 +15150,6 @@
                   </a:rPr>
                   <a:t>料</a:t>
                 </a:r>
-                <a:endParaRPr lang="zh-TW" altLang="en-US" sz="1400" b="1" dirty="0">
-                  <a:solidFill>
-                    <a:schemeClr val="tx1"/>
-                  </a:solidFill>
-                  <a:latin typeface="標楷體" panose="03000509000000000000" pitchFamily="65" charset="-120"/>
-                  <a:ea typeface="標楷體" panose="03000509000000000000" pitchFamily="65" charset="-120"/>
-                </a:endParaRPr>
               </a:p>
             </p:txBody>
           </p:sp>
@@ -14863,14 +15350,7 @@
                     <a:latin typeface="標楷體" panose="03000509000000000000" pitchFamily="65" charset="-120"/>
                     <a:ea typeface="標楷體" panose="03000509000000000000" pitchFamily="65" charset="-120"/>
                   </a:rPr>
-                  <a:t>確認資料</a:t>
-                </a:r>
-                <a:r>
-                  <a:rPr lang="zh-TW" altLang="en-US" sz="1200" b="1" dirty="0" smtClean="0">
-                    <a:latin typeface="標楷體" panose="03000509000000000000" pitchFamily="65" charset="-120"/>
-                    <a:ea typeface="標楷體" panose="03000509000000000000" pitchFamily="65" charset="-120"/>
-                  </a:rPr>
-                  <a:t>是</a:t>
+                  <a:t>確認資料是</a:t>
                 </a:r>
                 <a:endParaRPr lang="en-US" altLang="zh-TW" sz="1200" b="1" dirty="0" smtClean="0">
                   <a:latin typeface="標楷體" panose="03000509000000000000" pitchFamily="65" charset="-120"/>
@@ -14883,14 +15363,7 @@
                     <a:latin typeface="標楷體" panose="03000509000000000000" pitchFamily="65" charset="-120"/>
                     <a:ea typeface="標楷體" panose="03000509000000000000" pitchFamily="65" charset="-120"/>
                   </a:rPr>
-                  <a:t>否</a:t>
-                </a:r>
-                <a:r>
-                  <a:rPr lang="zh-TW" altLang="en-US" sz="1200" b="1" dirty="0" smtClean="0">
-                    <a:latin typeface="標楷體" panose="03000509000000000000" pitchFamily="65" charset="-120"/>
-                    <a:ea typeface="標楷體" panose="03000509000000000000" pitchFamily="65" charset="-120"/>
-                  </a:rPr>
-                  <a:t>無誤？</a:t>
+                  <a:t>否無誤？</a:t>
                 </a:r>
                 <a:endParaRPr lang="zh-TW" altLang="en-US" sz="1200" b="1" dirty="0">
                   <a:latin typeface="標楷體" panose="03000509000000000000" pitchFamily="65" charset="-120"/>
@@ -15069,7 +15542,7 @@
     </a:clrScheme>
     <a:fontScheme name="Office">
       <a:majorFont>
-        <a:latin typeface="Calibri Light" panose="020F0302020204030204"/>
+        <a:latin typeface="Calibri Light"/>
         <a:ea typeface=""/>
         <a:cs typeface=""/>
         <a:font script="Jpan" typeface="游ゴシック Light"/>
@@ -15104,7 +15577,7 @@
         <a:font script="Geor" typeface="Sylfaen"/>
       </a:majorFont>
       <a:minorFont>
-        <a:latin typeface="Calibri" panose="020F0502020204030204"/>
+        <a:latin typeface="Calibri"/>
         <a:ea typeface=""/>
         <a:cs typeface=""/>
         <a:font script="Jpan" typeface="游ゴシック"/>
@@ -15281,7 +15754,7 @@
   <a:extraClrSchemeLst/>
   <a:extLst>
     <a:ext uri="{05A4C25C-085E-4340-85A3-A5531E510DB2}">
-      <thm15:themeFamily xmlns:thm15="http://schemas.microsoft.com/office/thememl/2012/main" name="Office Theme" id="{62F939B6-93AF-4DB8-9C6B-D6C7DFDC589F}" vid="{4A3C46E8-61CC-4603-A589-7422A47A8E4A}"/>
+      <thm15:themeFamily xmlns:thm15="http://schemas.microsoft.com/office/thememl/2012/main" xmlns="" name="Office Theme" id="{62F939B6-93AF-4DB8-9C6B-D6C7DFDC589F}" vid="{4A3C46E8-61CC-4603-A589-7422A47A8E4A}"/>
     </a:ext>
   </a:extLst>
 </a:theme>
